--- a/report/overview_diagrams_31_Aug_23_13.pptx
+++ b/report/overview_diagrams_31_Aug_23_13.pptx
@@ -132,59 +132,7 @@
     </mc:Fallback>
   </mc:AlternateContent>
   <c:chart>
-    <c:title>
-      <c:tx>
-        <c:rich>
-          <a:bodyPr anchor="ctr"/>
-          <a:lstStyle/>
-          <a:p>
-            <a:pPr algn="ctr">
-              <a:defRPr/>
-            </a:pPr>
-            <a:r>
-              <a:rPr lang="en-US" sz="2200" b="1" i="0" baseline="0" dirty="0">
-                <a:effectLst/>
-                <a:latin typeface="Helvetica"/>
-                <a:cs typeface="Helvetica"/>
-              </a:rPr>
-              <a:t>Cost of </a:t>
-            </a:r>
-            <a:r>
-              <a:rPr lang="en-US" sz="2200" b="1" i="0" baseline="0" dirty="0" smtClean="0">
-                <a:effectLst/>
-                <a:latin typeface="Helvetica"/>
-                <a:cs typeface="Helvetica"/>
-              </a:rPr>
-              <a:t>Bugs During </a:t>
-            </a:r>
-            <a:r>
-              <a:rPr lang="en-US" sz="2200" b="1" i="0" baseline="0" dirty="0">
-                <a:effectLst/>
-                <a:latin typeface="Helvetica"/>
-                <a:cs typeface="Helvetica"/>
-              </a:rPr>
-              <a:t>Feature Development </a:t>
-            </a:r>
-            <a:r>
-              <a:rPr lang="en-US" sz="2200" b="1" i="0" baseline="0" dirty="0" smtClean="0">
-                <a:effectLst/>
-                <a:latin typeface="Helvetica"/>
-                <a:cs typeface="Helvetica"/>
-              </a:rPr>
-              <a:t>Lifecycle</a:t>
-            </a:r>
-            <a:endParaRPr lang="en-US" sz="2200" dirty="0">
-              <a:effectLst/>
-              <a:latin typeface="Helvetica"/>
-              <a:cs typeface="Helvetica"/>
-            </a:endParaRPr>
-          </a:p>
-        </c:rich>
-      </c:tx>
-      <c:layout/>
-      <c:overlay val="0"/>
-    </c:title>
-    <c:autoTitleDeleted val="0"/>
+    <c:autoTitleDeleted val="1"/>
     <c:plotArea>
       <c:layout>
         <c:manualLayout>
@@ -192,9 +140,9 @@
           <c:xMode val="edge"/>
           <c:yMode val="edge"/>
           <c:x val="0.067838577071159"/>
-          <c:y val="0.0892792992264367"/>
+          <c:y val="0.0326755311246471"/>
           <c:w val="0.919521740060472"/>
-          <c:h val="0.829991383152578"/>
+          <c:h val="0.744281236071906"/>
         </c:manualLayout>
       </c:layout>
       <c:lineChart>
@@ -298,11 +246,11 @@
         </c:dLbls>
         <c:marker val="1"/>
         <c:smooth val="0"/>
-        <c:axId val="-2081166936"/>
-        <c:axId val="1816150024"/>
+        <c:axId val="2113725368"/>
+        <c:axId val="2113690040"/>
       </c:lineChart>
       <c:catAx>
-        <c:axId val="-2081166936"/>
+        <c:axId val="2113725368"/>
         <c:scaling>
           <c:orientation val="minMax"/>
         </c:scaling>
@@ -324,7 +272,7 @@
           <a:lstStyle/>
           <a:p>
             <a:pPr>
-              <a:defRPr sz="1400" b="1">
+              <a:defRPr sz="1800" b="1" cap="none" normalizeH="0">
                 <a:latin typeface="Helvetica"/>
                 <a:cs typeface="Helvetica"/>
               </a:defRPr>
@@ -332,7 +280,7 @@
             <a:endParaRPr lang="en-US"/>
           </a:p>
         </c:txPr>
-        <c:crossAx val="1816150024"/>
+        <c:crossAx val="2113690040"/>
         <c:crosses val="autoZero"/>
         <c:auto val="1"/>
         <c:lblAlgn val="ctr"/>
@@ -340,7 +288,7 @@
         <c:noMultiLvlLbl val="0"/>
       </c:catAx>
       <c:valAx>
-        <c:axId val="1816150024"/>
+        <c:axId val="2113690040"/>
         <c:scaling>
           <c:orientation val="minMax"/>
         </c:scaling>
@@ -408,7 +356,7 @@
             <a:endParaRPr lang="en-US"/>
           </a:p>
         </c:txPr>
-        <c:crossAx val="-2081166936"/>
+        <c:crossAx val="2113725368"/>
         <c:crosses val="autoZero"/>
         <c:crossBetween val="between"/>
       </c:valAx>
@@ -429,11 +377,11 @@
   <cdr:relSizeAnchor xmlns:cdr="http://schemas.openxmlformats.org/drawingml/2006/chartDrawing">
     <cdr:from>
       <cdr:x>0.06755</cdr:x>
-      <cdr:y>0.08213</cdr:y>
+      <cdr:y>0.02553</cdr:y>
     </cdr:from>
     <cdr:to>
       <cdr:x>0.06755</cdr:x>
-      <cdr:y>0.26526</cdr:y>
+      <cdr:y>0.27636</cdr:y>
     </cdr:to>
     <cdr:cxnSp macro="">
       <cdr:nvCxnSpPr>
@@ -441,9 +389,9 @@
         <cdr:cNvCxnSpPr/>
       </cdr:nvCxnSpPr>
       <cdr:spPr>
-        <a:xfrm xmlns:a="http://schemas.openxmlformats.org/drawingml/2006/main" flipV="1">
-          <a:off x="612587" y="552824"/>
-          <a:ext cx="0" cy="1232647"/>
+        <a:xfrm xmlns:a="http://schemas.openxmlformats.org/drawingml/2006/main" flipH="1" flipV="1">
+          <a:off x="612587" y="171826"/>
+          <a:ext cx="44" cy="1688349"/>
         </a:xfrm>
         <a:prstGeom xmlns:a="http://schemas.openxmlformats.org/drawingml/2006/main" prst="straightConnector1">
           <a:avLst/>
@@ -556,7 +504,7 @@
           <a:p>
             <a:fld id="{4AB7E6F5-21E7-6943-BA08-5FCB4ACA6A29}" type="datetimeFigureOut">
               <a:rPr lang="en-US" smtClean="0"/>
-              <a:t>31/08/2014</a:t>
+              <a:t>01/09/2014</a:t>
             </a:fld>
             <a:endParaRPr lang="en-US"/>
           </a:p>
@@ -1094,7 +1042,7 @@
           <a:p>
             <a:fld id="{E60D2AC5-1717-184A-BDAF-E3EF29711C32}" type="datetimeFigureOut">
               <a:rPr lang="en-US" smtClean="0"/>
-              <a:t>31/08/2014</a:t>
+              <a:t>01/09/2014</a:t>
             </a:fld>
             <a:endParaRPr lang="en-US"/>
           </a:p>
@@ -1264,7 +1212,7 @@
           <a:p>
             <a:fld id="{E60D2AC5-1717-184A-BDAF-E3EF29711C32}" type="datetimeFigureOut">
               <a:rPr lang="en-US" smtClean="0"/>
-              <a:t>31/08/2014</a:t>
+              <a:t>01/09/2014</a:t>
             </a:fld>
             <a:endParaRPr lang="en-US"/>
           </a:p>
@@ -1444,7 +1392,7 @@
           <a:p>
             <a:fld id="{E60D2AC5-1717-184A-BDAF-E3EF29711C32}" type="datetimeFigureOut">
               <a:rPr lang="en-US" smtClean="0"/>
-              <a:t>31/08/2014</a:t>
+              <a:t>01/09/2014</a:t>
             </a:fld>
             <a:endParaRPr lang="en-US"/>
           </a:p>
@@ -1614,7 +1562,7 @@
           <a:p>
             <a:fld id="{E60D2AC5-1717-184A-BDAF-E3EF29711C32}" type="datetimeFigureOut">
               <a:rPr lang="en-US" smtClean="0"/>
-              <a:t>31/08/2014</a:t>
+              <a:t>01/09/2014</a:t>
             </a:fld>
             <a:endParaRPr lang="en-US"/>
           </a:p>
@@ -1860,7 +1808,7 @@
           <a:p>
             <a:fld id="{E60D2AC5-1717-184A-BDAF-E3EF29711C32}" type="datetimeFigureOut">
               <a:rPr lang="en-US" smtClean="0"/>
-              <a:t>31/08/2014</a:t>
+              <a:t>01/09/2014</a:t>
             </a:fld>
             <a:endParaRPr lang="en-US"/>
           </a:p>
@@ -2148,7 +2096,7 @@
           <a:p>
             <a:fld id="{E60D2AC5-1717-184A-BDAF-E3EF29711C32}" type="datetimeFigureOut">
               <a:rPr lang="en-US" smtClean="0"/>
-              <a:t>31/08/2014</a:t>
+              <a:t>01/09/2014</a:t>
             </a:fld>
             <a:endParaRPr lang="en-US"/>
           </a:p>
@@ -2570,7 +2518,7 @@
           <a:p>
             <a:fld id="{E60D2AC5-1717-184A-BDAF-E3EF29711C32}" type="datetimeFigureOut">
               <a:rPr lang="en-US" smtClean="0"/>
-              <a:t>31/08/2014</a:t>
+              <a:t>01/09/2014</a:t>
             </a:fld>
             <a:endParaRPr lang="en-US"/>
           </a:p>
@@ -2688,7 +2636,7 @@
           <a:p>
             <a:fld id="{E60D2AC5-1717-184A-BDAF-E3EF29711C32}" type="datetimeFigureOut">
               <a:rPr lang="en-US" smtClean="0"/>
-              <a:t>31/08/2014</a:t>
+              <a:t>01/09/2014</a:t>
             </a:fld>
             <a:endParaRPr lang="en-US"/>
           </a:p>
@@ -2783,7 +2731,7 @@
           <a:p>
             <a:fld id="{E60D2AC5-1717-184A-BDAF-E3EF29711C32}" type="datetimeFigureOut">
               <a:rPr lang="en-US" smtClean="0"/>
-              <a:t>31/08/2014</a:t>
+              <a:t>01/09/2014</a:t>
             </a:fld>
             <a:endParaRPr lang="en-US"/>
           </a:p>
@@ -3060,7 +3008,7 @@
           <a:p>
             <a:fld id="{E60D2AC5-1717-184A-BDAF-E3EF29711C32}" type="datetimeFigureOut">
               <a:rPr lang="en-US" smtClean="0"/>
-              <a:t>31/08/2014</a:t>
+              <a:t>01/09/2014</a:t>
             </a:fld>
             <a:endParaRPr lang="en-US"/>
           </a:p>
@@ -3313,7 +3261,7 @@
           <a:p>
             <a:fld id="{E60D2AC5-1717-184A-BDAF-E3EF29711C32}" type="datetimeFigureOut">
               <a:rPr lang="en-US" smtClean="0"/>
-              <a:t>31/08/2014</a:t>
+              <a:t>01/09/2014</a:t>
             </a:fld>
             <a:endParaRPr lang="en-US"/>
           </a:p>
@@ -3526,7 +3474,7 @@
           <a:p>
             <a:fld id="{E60D2AC5-1717-184A-BDAF-E3EF29711C32}" type="datetimeFigureOut">
               <a:rPr lang="en-US" smtClean="0"/>
-              <a:t>31/08/2014</a:t>
+              <a:t>01/09/2014</a:t>
             </a:fld>
             <a:endParaRPr lang="en-US"/>
           </a:p>
@@ -7873,8 +7821,26 @@
                 <a:latin typeface="Helvetica"/>
                 <a:cs typeface="Helvetica"/>
               </a:rPr>
-              <a:t>Content Counting Socket Based Proxy</a:t>
+              <a:t>Socket Based Content </a:t>
             </a:r>
+            <a:r>
+              <a:rPr lang="en-US" sz="1600" dirty="0">
+                <a:latin typeface="Helvetica"/>
+                <a:cs typeface="Helvetica"/>
+              </a:rPr>
+              <a:t>Counting </a:t>
+            </a:r>
+            <a:r>
+              <a:rPr lang="en-US" sz="1600" dirty="0" smtClean="0">
+                <a:latin typeface="Helvetica"/>
+                <a:cs typeface="Helvetica"/>
+              </a:rPr>
+              <a:t>Proxy</a:t>
+            </a:r>
+            <a:endParaRPr lang="en-US" sz="1600" dirty="0">
+              <a:latin typeface="Helvetica"/>
+              <a:cs typeface="Helvetica"/>
+            </a:endParaRPr>
           </a:p>
         </p:txBody>
       </p:sp>
@@ -12187,19 +12153,16 @@
           <a:p>
             <a:pPr algn="ctr"/>
             <a:r>
-              <a:rPr lang="en-US" sz="1600" dirty="0" smtClean="0">
-                <a:latin typeface="Helvetica"/>
-                <a:cs typeface="Helvetica"/>
-              </a:rPr>
-              <a:t>Staged </a:t>
-            </a:r>
-            <a:r>
               <a:rPr lang="en-US" sz="1600" dirty="0">
                 <a:latin typeface="Helvetica"/>
                 <a:cs typeface="Helvetica"/>
               </a:rPr>
-              <a:t>Socket Based Proxy</a:t>
+              <a:t>Socket Based Staged Proxy</a:t>
             </a:r>
+            <a:endParaRPr lang="en-US" sz="1600" dirty="0">
+              <a:latin typeface="Helvetica"/>
+              <a:cs typeface="Helvetica"/>
+            </a:endParaRPr>
           </a:p>
         </p:txBody>
       </p:sp>
@@ -18199,14 +18162,14 @@
           <p:nvPr>
             <p:extLst>
               <p:ext uri="{D42A27DB-BD31-4B8C-83A1-F6EECF244321}">
-                <p14:modId xmlns:p14="http://schemas.microsoft.com/office/powerpoint/2010/main" val="3247445996"/>
+                <p14:modId xmlns:p14="http://schemas.microsoft.com/office/powerpoint/2010/main" val="2354485820"/>
               </p:ext>
             </p:extLst>
           </p:nvPr>
         </p:nvGraphicFramePr>
         <p:xfrm>
-          <a:off x="1" y="52294"/>
-          <a:ext cx="9069294" cy="6731000"/>
+          <a:off x="1" y="7468"/>
+          <a:ext cx="9069294" cy="6850532"/>
         </p:xfrm>
         <a:graphic>
           <a:graphicData uri="http://schemas.openxmlformats.org/drawingml/2006/chart">

--- a/report/overview_diagrams_31_Aug_23_13.pptx
+++ b/report/overview_diagrams_31_Aug_23_13.pptx
@@ -301,17 +301,17 @@
               <a:lstStyle/>
               <a:p>
                 <a:pPr>
-                  <a:defRPr/>
+                  <a:defRPr sz="2000"/>
                 </a:pPr>
                 <a:r>
-                  <a:rPr lang="en-US" sz="1600" b="1" i="0" baseline="0">
+                  <a:rPr lang="en-US" sz="2000" b="1" i="0" baseline="0" dirty="0">
                     <a:effectLst/>
                     <a:latin typeface="Helvetica"/>
                     <a:cs typeface="Helvetica"/>
                   </a:rPr>
                   <a:t>Cost</a:t>
                 </a:r>
-                <a:endParaRPr lang="en-US" sz="1600">
+                <a:endParaRPr lang="en-US" sz="2000" dirty="0">
                   <a:effectLst/>
                   <a:latin typeface="Helvetica"/>
                   <a:cs typeface="Helvetica"/>
@@ -323,8 +323,8 @@
             <c:manualLayout>
               <c:xMode val="edge"/>
               <c:yMode val="edge"/>
-              <c:x val="0.0251553208000535"/>
-              <c:y val="0.476663645817858"/>
+              <c:x val="0.01815367326277"/>
+              <c:y val="0.382116308631213"/>
             </c:manualLayout>
           </c:layout>
           <c:overlay val="0"/>
@@ -18162,14 +18162,14 @@
           <p:nvPr>
             <p:extLst>
               <p:ext uri="{D42A27DB-BD31-4B8C-83A1-F6EECF244321}">
-                <p14:modId xmlns:p14="http://schemas.microsoft.com/office/powerpoint/2010/main" val="2354485820"/>
+                <p14:modId xmlns:p14="http://schemas.microsoft.com/office/powerpoint/2010/main" val="3601571233"/>
               </p:ext>
             </p:extLst>
           </p:nvPr>
         </p:nvGraphicFramePr>
         <p:xfrm>
-          <a:off x="1" y="7468"/>
-          <a:ext cx="9069294" cy="6850532"/>
+          <a:off x="0" y="7468"/>
+          <a:ext cx="9144000" cy="6850532"/>
         </p:xfrm>
         <a:graphic>
           <a:graphicData uri="http://schemas.openxmlformats.org/drawingml/2006/chart">

--- a/report/overview_diagrams_31_Aug_23_13.pptx
+++ b/report/overview_diagrams_31_Aug_23_13.pptx
@@ -246,11 +246,11 @@
         </c:dLbls>
         <c:marker val="1"/>
         <c:smooth val="0"/>
-        <c:axId val="2113725368"/>
-        <c:axId val="2113690040"/>
+        <c:axId val="-2134419160"/>
+        <c:axId val="-2134438520"/>
       </c:lineChart>
       <c:catAx>
-        <c:axId val="2113725368"/>
+        <c:axId val="-2134419160"/>
         <c:scaling>
           <c:orientation val="minMax"/>
         </c:scaling>
@@ -280,7 +280,7 @@
             <a:endParaRPr lang="en-US"/>
           </a:p>
         </c:txPr>
-        <c:crossAx val="2113690040"/>
+        <c:crossAx val="-2134438520"/>
         <c:crosses val="autoZero"/>
         <c:auto val="1"/>
         <c:lblAlgn val="ctr"/>
@@ -288,7 +288,7 @@
         <c:noMultiLvlLbl val="0"/>
       </c:catAx>
       <c:valAx>
-        <c:axId val="2113690040"/>
+        <c:axId val="-2134438520"/>
         <c:scaling>
           <c:orientation val="minMax"/>
         </c:scaling>
@@ -356,7 +356,7 @@
             <a:endParaRPr lang="en-US"/>
           </a:p>
         </c:txPr>
-        <c:crossAx val="2113725368"/>
+        <c:crossAx val="-2134419160"/>
         <c:crosses val="autoZero"/>
         <c:crossBetween val="between"/>
       </c:valAx>
@@ -504,7 +504,7 @@
           <a:p>
             <a:fld id="{4AB7E6F5-21E7-6943-BA08-5FCB4ACA6A29}" type="datetimeFigureOut">
               <a:rPr lang="en-US" smtClean="0"/>
-              <a:t>01/09/2014</a:t>
+              <a:t>03/09/2014</a:t>
             </a:fld>
             <a:endParaRPr lang="en-US"/>
           </a:p>
@@ -1042,7 +1042,7 @@
           <a:p>
             <a:fld id="{E60D2AC5-1717-184A-BDAF-E3EF29711C32}" type="datetimeFigureOut">
               <a:rPr lang="en-US" smtClean="0"/>
-              <a:t>01/09/2014</a:t>
+              <a:t>03/09/2014</a:t>
             </a:fld>
             <a:endParaRPr lang="en-US"/>
           </a:p>
@@ -1212,7 +1212,7 @@
           <a:p>
             <a:fld id="{E60D2AC5-1717-184A-BDAF-E3EF29711C32}" type="datetimeFigureOut">
               <a:rPr lang="en-US" smtClean="0"/>
-              <a:t>01/09/2014</a:t>
+              <a:t>03/09/2014</a:t>
             </a:fld>
             <a:endParaRPr lang="en-US"/>
           </a:p>
@@ -1392,7 +1392,7 @@
           <a:p>
             <a:fld id="{E60D2AC5-1717-184A-BDAF-E3EF29711C32}" type="datetimeFigureOut">
               <a:rPr lang="en-US" smtClean="0"/>
-              <a:t>01/09/2014</a:t>
+              <a:t>03/09/2014</a:t>
             </a:fld>
             <a:endParaRPr lang="en-US"/>
           </a:p>
@@ -1562,7 +1562,7 @@
           <a:p>
             <a:fld id="{E60D2AC5-1717-184A-BDAF-E3EF29711C32}" type="datetimeFigureOut">
               <a:rPr lang="en-US" smtClean="0"/>
-              <a:t>01/09/2014</a:t>
+              <a:t>03/09/2014</a:t>
             </a:fld>
             <a:endParaRPr lang="en-US"/>
           </a:p>
@@ -1808,7 +1808,7 @@
           <a:p>
             <a:fld id="{E60D2AC5-1717-184A-BDAF-E3EF29711C32}" type="datetimeFigureOut">
               <a:rPr lang="en-US" smtClean="0"/>
-              <a:t>01/09/2014</a:t>
+              <a:t>03/09/2014</a:t>
             </a:fld>
             <a:endParaRPr lang="en-US"/>
           </a:p>
@@ -2096,7 +2096,7 @@
           <a:p>
             <a:fld id="{E60D2AC5-1717-184A-BDAF-E3EF29711C32}" type="datetimeFigureOut">
               <a:rPr lang="en-US" smtClean="0"/>
-              <a:t>01/09/2014</a:t>
+              <a:t>03/09/2014</a:t>
             </a:fld>
             <a:endParaRPr lang="en-US"/>
           </a:p>
@@ -2518,7 +2518,7 @@
           <a:p>
             <a:fld id="{E60D2AC5-1717-184A-BDAF-E3EF29711C32}" type="datetimeFigureOut">
               <a:rPr lang="en-US" smtClean="0"/>
-              <a:t>01/09/2014</a:t>
+              <a:t>03/09/2014</a:t>
             </a:fld>
             <a:endParaRPr lang="en-US"/>
           </a:p>
@@ -2636,7 +2636,7 @@
           <a:p>
             <a:fld id="{E60D2AC5-1717-184A-BDAF-E3EF29711C32}" type="datetimeFigureOut">
               <a:rPr lang="en-US" smtClean="0"/>
-              <a:t>01/09/2014</a:t>
+              <a:t>03/09/2014</a:t>
             </a:fld>
             <a:endParaRPr lang="en-US"/>
           </a:p>
@@ -2731,7 +2731,7 @@
           <a:p>
             <a:fld id="{E60D2AC5-1717-184A-BDAF-E3EF29711C32}" type="datetimeFigureOut">
               <a:rPr lang="en-US" smtClean="0"/>
-              <a:t>01/09/2014</a:t>
+              <a:t>03/09/2014</a:t>
             </a:fld>
             <a:endParaRPr lang="en-US"/>
           </a:p>
@@ -3008,7 +3008,7 @@
           <a:p>
             <a:fld id="{E60D2AC5-1717-184A-BDAF-E3EF29711C32}" type="datetimeFigureOut">
               <a:rPr lang="en-US" smtClean="0"/>
-              <a:t>01/09/2014</a:t>
+              <a:t>03/09/2014</a:t>
             </a:fld>
             <a:endParaRPr lang="en-US"/>
           </a:p>
@@ -3261,7 +3261,7 @@
           <a:p>
             <a:fld id="{E60D2AC5-1717-184A-BDAF-E3EF29711C32}" type="datetimeFigureOut">
               <a:rPr lang="en-US" smtClean="0"/>
-              <a:t>01/09/2014</a:t>
+              <a:t>03/09/2014</a:t>
             </a:fld>
             <a:endParaRPr lang="en-US"/>
           </a:p>
@@ -3474,7 +3474,7 @@
           <a:p>
             <a:fld id="{E60D2AC5-1717-184A-BDAF-E3EF29711C32}" type="datetimeFigureOut">
               <a:rPr lang="en-US" smtClean="0"/>
-              <a:t>01/09/2014</a:t>
+              <a:t>03/09/2014</a:t>
             </a:fld>
             <a:endParaRPr lang="en-US"/>
           </a:p>
@@ -5004,8 +5004,8 @@
         </p:nvSpPr>
         <p:spPr>
           <a:xfrm>
-            <a:off x="903624" y="1694690"/>
-            <a:ext cx="4328776" cy="3182110"/>
+            <a:off x="903624" y="1694689"/>
+            <a:ext cx="4328776" cy="4722545"/>
           </a:xfrm>
           <a:prstGeom prst="rect">
             <a:avLst/>
@@ -5159,6 +5159,121 @@
                 <a:cs typeface="Helvetica"/>
               </a:rPr>
               <a:t>Update</a:t>
+            </a:r>
+          </a:p>
+        </p:txBody>
+      </p:sp>
+      <p:sp>
+        <p:nvSpPr>
+          <p:cNvPr id="30" name="Right Arrow 29"/>
+          <p:cNvSpPr/>
+          <p:nvPr/>
+        </p:nvSpPr>
+        <p:spPr>
+          <a:xfrm rot="16200000">
+            <a:off x="2048893" y="4374252"/>
+            <a:ext cx="1596327" cy="353051"/>
+          </a:xfrm>
+          <a:prstGeom prst="rightArrow">
+            <a:avLst/>
+          </a:prstGeom>
+          <a:solidFill>
+            <a:schemeClr val="bg1">
+              <a:alpha val="85000"/>
+            </a:schemeClr>
+          </a:solidFill>
+          <a:ln w="19050" cmpd="sng">
+            <a:solidFill>
+              <a:schemeClr val="tx1"/>
+            </a:solidFill>
+          </a:ln>
+        </p:spPr>
+        <p:style>
+          <a:lnRef idx="1">
+            <a:schemeClr val="accent1"/>
+          </a:lnRef>
+          <a:fillRef idx="3">
+            <a:schemeClr val="accent1"/>
+          </a:fillRef>
+          <a:effectRef idx="2">
+            <a:schemeClr val="accent1"/>
+          </a:effectRef>
+          <a:fontRef idx="minor">
+            <a:schemeClr val="lt1"/>
+          </a:fontRef>
+        </p:style>
+        <p:txBody>
+          <a:bodyPr lIns="91436" tIns="45718" rIns="91436" bIns="45718" rtlCol="0" anchor="ctr"/>
+          <a:lstStyle/>
+          <a:p>
+            <a:pPr algn="ctr"/>
+            <a:r>
+              <a:rPr lang="en-US" sz="900" dirty="0">
+                <a:solidFill>
+                  <a:schemeClr val="tx1"/>
+                </a:solidFill>
+                <a:latin typeface="Helvetica"/>
+                <a:cs typeface="Helvetica"/>
+              </a:rPr>
+              <a:t>Configuration</a:t>
+            </a:r>
+          </a:p>
+        </p:txBody>
+      </p:sp>
+      <p:sp>
+        <p:nvSpPr>
+          <p:cNvPr id="28" name="Rectangle 27"/>
+          <p:cNvSpPr/>
+          <p:nvPr/>
+        </p:nvSpPr>
+        <p:spPr>
+          <a:xfrm>
+            <a:off x="1815352" y="5338830"/>
+            <a:ext cx="2075072" cy="757171"/>
+          </a:xfrm>
+          <a:prstGeom prst="rect">
+            <a:avLst/>
+          </a:prstGeom>
+          <a:solidFill>
+            <a:schemeClr val="accent6">
+              <a:lumMod val="60000"/>
+              <a:lumOff val="40000"/>
+            </a:schemeClr>
+          </a:solidFill>
+          <a:ln w="19050" cmpd="sng">
+            <a:solidFill>
+              <a:schemeClr val="tx1"/>
+            </a:solidFill>
+          </a:ln>
+        </p:spPr>
+        <p:style>
+          <a:lnRef idx="1">
+            <a:schemeClr val="accent1"/>
+          </a:lnRef>
+          <a:fillRef idx="3">
+            <a:schemeClr val="accent1"/>
+          </a:fillRef>
+          <a:effectRef idx="2">
+            <a:schemeClr val="accent1"/>
+          </a:effectRef>
+          <a:fontRef idx="minor">
+            <a:schemeClr val="lt1"/>
+          </a:fontRef>
+        </p:style>
+        <p:txBody>
+          <a:bodyPr lIns="91436" tIns="45718" rIns="91436" bIns="45718" rtlCol="0" anchor="ctr" anchorCtr="0"/>
+          <a:lstStyle/>
+          <a:p>
+            <a:pPr algn="ctr"/>
+            <a:r>
+              <a:rPr lang="en-US" sz="900" dirty="0">
+                <a:solidFill>
+                  <a:schemeClr val="tx1"/>
+                </a:solidFill>
+                <a:latin typeface="Helvetica"/>
+                <a:cs typeface="Helvetica"/>
+              </a:rPr>
+              <a:t>Configuration Service</a:t>
             </a:r>
           </a:p>
         </p:txBody>
@@ -7821,14 +7936,7 @@
                 <a:latin typeface="Helvetica"/>
                 <a:cs typeface="Helvetica"/>
               </a:rPr>
-              <a:t>Socket Based Content </a:t>
-            </a:r>
-            <a:r>
-              <a:rPr lang="en-US" sz="1600" dirty="0">
-                <a:latin typeface="Helvetica"/>
-                <a:cs typeface="Helvetica"/>
-              </a:rPr>
-              <a:t>Counting </a:t>
+              <a:t>Socket Based Content Counting </a:t>
             </a:r>
             <a:r>
               <a:rPr lang="en-US" sz="1600" dirty="0" smtClean="0">
@@ -12159,10 +12267,6 @@
               </a:rPr>
               <a:t>Socket Based Staged Proxy</a:t>
             </a:r>
-            <a:endParaRPr lang="en-US" sz="1600" dirty="0">
-              <a:latin typeface="Helvetica"/>
-              <a:cs typeface="Helvetica"/>
-            </a:endParaRPr>
           </a:p>
         </p:txBody>
       </p:sp>
